--- a/ppt 16-9/1333.主是避难所.pptx
+++ b/ppt 16-9/1333.主是避难所.pptx
@@ -129,7 +129,7 @@
           <p:cNvPr id="2" name="标题 1">
             <a:extLst>
               <a:ext uri="{FF2B5EF4-FFF2-40B4-BE49-F238E27FC236}">
-                <a16:creationId xmlns:a16="http://schemas.microsoft.com/office/drawing/2014/main" id="{7601CFB5-19E4-4E96-9384-213F02A7081C}"/>
+                <a16:creationId xmlns:a16="http://schemas.microsoft.com/office/drawing/2014/main" id="{56A66E9E-BB05-74D6-248A-C4565A434341}"/>
               </a:ext>
             </a:extLst>
           </p:cNvPr>
@@ -166,7 +166,7 @@
           <p:cNvPr id="3" name="副标题 2">
             <a:extLst>
               <a:ext uri="{FF2B5EF4-FFF2-40B4-BE49-F238E27FC236}">
-                <a16:creationId xmlns:a16="http://schemas.microsoft.com/office/drawing/2014/main" id="{354FEB20-E0F3-AEBF-9019-C7462EE5063C}"/>
+                <a16:creationId xmlns:a16="http://schemas.microsoft.com/office/drawing/2014/main" id="{C0011E74-E101-9F83-5491-FD5D76E14287}"/>
               </a:ext>
             </a:extLst>
           </p:cNvPr>
@@ -236,7 +236,7 @@
           <p:cNvPr id="4" name="日期占位符 3">
             <a:extLst>
               <a:ext uri="{FF2B5EF4-FFF2-40B4-BE49-F238E27FC236}">
-                <a16:creationId xmlns:a16="http://schemas.microsoft.com/office/drawing/2014/main" id="{462E10E2-19A7-05E2-DFF4-80042E4E499B}"/>
+                <a16:creationId xmlns:a16="http://schemas.microsoft.com/office/drawing/2014/main" id="{391266C8-7BFB-4143-C4AF-6C080B44015D}"/>
               </a:ext>
             </a:extLst>
           </p:cNvPr>
@@ -252,7 +252,7 @@
           <a:bodyPr/>
           <a:lstStyle/>
           <a:p>
-            <a:fld id="{BE58AA9E-3C9C-47BD-B039-E2DC320F38AE}" type="datetimeFigureOut">
+            <a:fld id="{1EADA4E0-3855-4231-87DA-C1656B894F1C}" type="datetimeFigureOut">
               <a:rPr lang="zh-CN" altLang="en-US" smtClean="0"/>
               <a:t>2024/3/10</a:t>
             </a:fld>
@@ -265,7 +265,7 @@
           <p:cNvPr id="5" name="页脚占位符 4">
             <a:extLst>
               <a:ext uri="{FF2B5EF4-FFF2-40B4-BE49-F238E27FC236}">
-                <a16:creationId xmlns:a16="http://schemas.microsoft.com/office/drawing/2014/main" id="{4285A672-6E4A-D2BB-4815-F360BFB25C7A}"/>
+                <a16:creationId xmlns:a16="http://schemas.microsoft.com/office/drawing/2014/main" id="{D21AFD02-901E-C58E-E179-F5518EC0A34C}"/>
               </a:ext>
             </a:extLst>
           </p:cNvPr>
@@ -290,7 +290,7 @@
           <p:cNvPr id="6" name="灯片编号占位符 5">
             <a:extLst>
               <a:ext uri="{FF2B5EF4-FFF2-40B4-BE49-F238E27FC236}">
-                <a16:creationId xmlns:a16="http://schemas.microsoft.com/office/drawing/2014/main" id="{8ADD6168-0BFB-694D-4B41-936872C958A6}"/>
+                <a16:creationId xmlns:a16="http://schemas.microsoft.com/office/drawing/2014/main" id="{E87019FD-54C6-6B89-4A6E-048F3E34A705}"/>
               </a:ext>
             </a:extLst>
           </p:cNvPr>
@@ -306,7 +306,7 @@
           <a:bodyPr/>
           <a:lstStyle/>
           <a:p>
-            <a:fld id="{D2F6D0AF-5F7E-4A5C-8E21-9D31D5BA8732}" type="slidenum">
+            <a:fld id="{B34BA342-36EA-45EA-BD66-35F0CE0C1298}" type="slidenum">
               <a:rPr lang="zh-CN" altLang="en-US" smtClean="0"/>
               <a:t>‹#›</a:t>
             </a:fld>
@@ -317,7 +317,7 @@
     </p:spTree>
     <p:extLst>
       <p:ext uri="{BB962C8B-B14F-4D97-AF65-F5344CB8AC3E}">
-        <p14:creationId xmlns:p14="http://schemas.microsoft.com/office/powerpoint/2010/main" val="2012413197"/>
+        <p14:creationId xmlns:p14="http://schemas.microsoft.com/office/powerpoint/2010/main" val="2516615878"/>
       </p:ext>
     </p:extLst>
   </p:cSld>
@@ -349,7 +349,7 @@
           <p:cNvPr id="2" name="标题 1">
             <a:extLst>
               <a:ext uri="{FF2B5EF4-FFF2-40B4-BE49-F238E27FC236}">
-                <a16:creationId xmlns:a16="http://schemas.microsoft.com/office/drawing/2014/main" id="{E463D634-F0CF-9549-EE11-7933DB89CBF6}"/>
+                <a16:creationId xmlns:a16="http://schemas.microsoft.com/office/drawing/2014/main" id="{8C800C5B-4741-0CE5-44E8-C97DC7BA90CC}"/>
               </a:ext>
             </a:extLst>
           </p:cNvPr>
@@ -377,7 +377,7 @@
           <p:cNvPr id="3" name="竖排文字占位符 2">
             <a:extLst>
               <a:ext uri="{FF2B5EF4-FFF2-40B4-BE49-F238E27FC236}">
-                <a16:creationId xmlns:a16="http://schemas.microsoft.com/office/drawing/2014/main" id="{C746104E-8E31-D500-B4DE-0CD45C6A9973}"/>
+                <a16:creationId xmlns:a16="http://schemas.microsoft.com/office/drawing/2014/main" id="{825DBFEC-F59F-86E4-DF9C-303A3D9B7740}"/>
               </a:ext>
             </a:extLst>
           </p:cNvPr>
@@ -434,7 +434,7 @@
           <p:cNvPr id="4" name="日期占位符 3">
             <a:extLst>
               <a:ext uri="{FF2B5EF4-FFF2-40B4-BE49-F238E27FC236}">
-                <a16:creationId xmlns:a16="http://schemas.microsoft.com/office/drawing/2014/main" id="{2D8BC292-D506-D773-FC9D-7B56BF970C63}"/>
+                <a16:creationId xmlns:a16="http://schemas.microsoft.com/office/drawing/2014/main" id="{A36E3A56-5497-A3E8-A174-86A2C3A2D922}"/>
               </a:ext>
             </a:extLst>
           </p:cNvPr>
@@ -450,7 +450,7 @@
           <a:bodyPr/>
           <a:lstStyle/>
           <a:p>
-            <a:fld id="{BE58AA9E-3C9C-47BD-B039-E2DC320F38AE}" type="datetimeFigureOut">
+            <a:fld id="{1EADA4E0-3855-4231-87DA-C1656B894F1C}" type="datetimeFigureOut">
               <a:rPr lang="zh-CN" altLang="en-US" smtClean="0"/>
               <a:t>2024/3/10</a:t>
             </a:fld>
@@ -463,7 +463,7 @@
           <p:cNvPr id="5" name="页脚占位符 4">
             <a:extLst>
               <a:ext uri="{FF2B5EF4-FFF2-40B4-BE49-F238E27FC236}">
-                <a16:creationId xmlns:a16="http://schemas.microsoft.com/office/drawing/2014/main" id="{F751C5C5-23B2-F1B4-5453-F66D61F115CC}"/>
+                <a16:creationId xmlns:a16="http://schemas.microsoft.com/office/drawing/2014/main" id="{6CCF4E5E-A42E-0128-A54F-A06AE954C317}"/>
               </a:ext>
             </a:extLst>
           </p:cNvPr>
@@ -488,7 +488,7 @@
           <p:cNvPr id="6" name="灯片编号占位符 5">
             <a:extLst>
               <a:ext uri="{FF2B5EF4-FFF2-40B4-BE49-F238E27FC236}">
-                <a16:creationId xmlns:a16="http://schemas.microsoft.com/office/drawing/2014/main" id="{78AE6F8E-540C-8750-6426-B63ED0368FC0}"/>
+                <a16:creationId xmlns:a16="http://schemas.microsoft.com/office/drawing/2014/main" id="{461AF74E-3CF3-BBF5-043F-4A5242116034}"/>
               </a:ext>
             </a:extLst>
           </p:cNvPr>
@@ -504,7 +504,7 @@
           <a:bodyPr/>
           <a:lstStyle/>
           <a:p>
-            <a:fld id="{D2F6D0AF-5F7E-4A5C-8E21-9D31D5BA8732}" type="slidenum">
+            <a:fld id="{B34BA342-36EA-45EA-BD66-35F0CE0C1298}" type="slidenum">
               <a:rPr lang="zh-CN" altLang="en-US" smtClean="0"/>
               <a:t>‹#›</a:t>
             </a:fld>
@@ -515,7 +515,7 @@
     </p:spTree>
     <p:extLst>
       <p:ext uri="{BB962C8B-B14F-4D97-AF65-F5344CB8AC3E}">
-        <p14:creationId xmlns:p14="http://schemas.microsoft.com/office/powerpoint/2010/main" val="2509698324"/>
+        <p14:creationId xmlns:p14="http://schemas.microsoft.com/office/powerpoint/2010/main" val="1101040569"/>
       </p:ext>
     </p:extLst>
   </p:cSld>
@@ -547,7 +547,7 @@
           <p:cNvPr id="2" name="竖排标题 1">
             <a:extLst>
               <a:ext uri="{FF2B5EF4-FFF2-40B4-BE49-F238E27FC236}">
-                <a16:creationId xmlns:a16="http://schemas.microsoft.com/office/drawing/2014/main" id="{49ED88A9-E0A4-7EC5-00F4-7B0CE904F053}"/>
+                <a16:creationId xmlns:a16="http://schemas.microsoft.com/office/drawing/2014/main" id="{8AB082E4-6B67-E2CE-61B4-BBB512E6F46B}"/>
               </a:ext>
             </a:extLst>
           </p:cNvPr>
@@ -580,7 +580,7 @@
           <p:cNvPr id="3" name="竖排文字占位符 2">
             <a:extLst>
               <a:ext uri="{FF2B5EF4-FFF2-40B4-BE49-F238E27FC236}">
-                <a16:creationId xmlns:a16="http://schemas.microsoft.com/office/drawing/2014/main" id="{AEDCF36D-72AC-F1CC-EC8C-DC731C35A7D2}"/>
+                <a16:creationId xmlns:a16="http://schemas.microsoft.com/office/drawing/2014/main" id="{E55891D4-255E-0CF9-495D-DB08D68CB9B3}"/>
               </a:ext>
             </a:extLst>
           </p:cNvPr>
@@ -642,7 +642,7 @@
           <p:cNvPr id="4" name="日期占位符 3">
             <a:extLst>
               <a:ext uri="{FF2B5EF4-FFF2-40B4-BE49-F238E27FC236}">
-                <a16:creationId xmlns:a16="http://schemas.microsoft.com/office/drawing/2014/main" id="{E1BAD81A-EECA-B334-F290-BCD4DD3B5CE8}"/>
+                <a16:creationId xmlns:a16="http://schemas.microsoft.com/office/drawing/2014/main" id="{42391FEF-4BC8-F967-D9EE-A109F8BD4BA3}"/>
               </a:ext>
             </a:extLst>
           </p:cNvPr>
@@ -658,7 +658,7 @@
           <a:bodyPr/>
           <a:lstStyle/>
           <a:p>
-            <a:fld id="{BE58AA9E-3C9C-47BD-B039-E2DC320F38AE}" type="datetimeFigureOut">
+            <a:fld id="{1EADA4E0-3855-4231-87DA-C1656B894F1C}" type="datetimeFigureOut">
               <a:rPr lang="zh-CN" altLang="en-US" smtClean="0"/>
               <a:t>2024/3/10</a:t>
             </a:fld>
@@ -671,7 +671,7 @@
           <p:cNvPr id="5" name="页脚占位符 4">
             <a:extLst>
               <a:ext uri="{FF2B5EF4-FFF2-40B4-BE49-F238E27FC236}">
-                <a16:creationId xmlns:a16="http://schemas.microsoft.com/office/drawing/2014/main" id="{3CCB791C-9D5C-D3B4-B292-84A51E69C5D5}"/>
+                <a16:creationId xmlns:a16="http://schemas.microsoft.com/office/drawing/2014/main" id="{F366F871-F2FF-9D22-E32A-4CFF3D36A434}"/>
               </a:ext>
             </a:extLst>
           </p:cNvPr>
@@ -696,7 +696,7 @@
           <p:cNvPr id="6" name="灯片编号占位符 5">
             <a:extLst>
               <a:ext uri="{FF2B5EF4-FFF2-40B4-BE49-F238E27FC236}">
-                <a16:creationId xmlns:a16="http://schemas.microsoft.com/office/drawing/2014/main" id="{169FFA87-735A-4A0C-C3BB-49E3A7EA0EA0}"/>
+                <a16:creationId xmlns:a16="http://schemas.microsoft.com/office/drawing/2014/main" id="{6F1BE049-D464-EC0A-88E8-34E4FD6E917A}"/>
               </a:ext>
             </a:extLst>
           </p:cNvPr>
@@ -712,7 +712,7 @@
           <a:bodyPr/>
           <a:lstStyle/>
           <a:p>
-            <a:fld id="{D2F6D0AF-5F7E-4A5C-8E21-9D31D5BA8732}" type="slidenum">
+            <a:fld id="{B34BA342-36EA-45EA-BD66-35F0CE0C1298}" type="slidenum">
               <a:rPr lang="zh-CN" altLang="en-US" smtClean="0"/>
               <a:t>‹#›</a:t>
             </a:fld>
@@ -723,7 +723,7 @@
     </p:spTree>
     <p:extLst>
       <p:ext uri="{BB962C8B-B14F-4D97-AF65-F5344CB8AC3E}">
-        <p14:creationId xmlns:p14="http://schemas.microsoft.com/office/powerpoint/2010/main" val="3392886753"/>
+        <p14:creationId xmlns:p14="http://schemas.microsoft.com/office/powerpoint/2010/main" val="339429021"/>
       </p:ext>
     </p:extLst>
   </p:cSld>
@@ -755,7 +755,7 @@
           <p:cNvPr id="2" name="标题 1">
             <a:extLst>
               <a:ext uri="{FF2B5EF4-FFF2-40B4-BE49-F238E27FC236}">
-                <a16:creationId xmlns:a16="http://schemas.microsoft.com/office/drawing/2014/main" id="{A4AA1BE7-D929-B086-24AB-51195FCA1102}"/>
+                <a16:creationId xmlns:a16="http://schemas.microsoft.com/office/drawing/2014/main" id="{BE5C780D-BEE2-1297-35EF-ED62FCD9CF94}"/>
               </a:ext>
             </a:extLst>
           </p:cNvPr>
@@ -783,7 +783,7 @@
           <p:cNvPr id="3" name="内容占位符 2">
             <a:extLst>
               <a:ext uri="{FF2B5EF4-FFF2-40B4-BE49-F238E27FC236}">
-                <a16:creationId xmlns:a16="http://schemas.microsoft.com/office/drawing/2014/main" id="{70286DBB-D90F-52E6-F067-5066462E9103}"/>
+                <a16:creationId xmlns:a16="http://schemas.microsoft.com/office/drawing/2014/main" id="{DF816419-720C-0D0C-0594-416016C441C9}"/>
               </a:ext>
             </a:extLst>
           </p:cNvPr>
@@ -840,7 +840,7 @@
           <p:cNvPr id="4" name="日期占位符 3">
             <a:extLst>
               <a:ext uri="{FF2B5EF4-FFF2-40B4-BE49-F238E27FC236}">
-                <a16:creationId xmlns:a16="http://schemas.microsoft.com/office/drawing/2014/main" id="{2641C7FE-3B30-CFA5-4153-FE057F7E141D}"/>
+                <a16:creationId xmlns:a16="http://schemas.microsoft.com/office/drawing/2014/main" id="{96347F40-987C-D105-8A82-B33EA55B9FEB}"/>
               </a:ext>
             </a:extLst>
           </p:cNvPr>
@@ -856,7 +856,7 @@
           <a:bodyPr/>
           <a:lstStyle/>
           <a:p>
-            <a:fld id="{BE58AA9E-3C9C-47BD-B039-E2DC320F38AE}" type="datetimeFigureOut">
+            <a:fld id="{1EADA4E0-3855-4231-87DA-C1656B894F1C}" type="datetimeFigureOut">
               <a:rPr lang="zh-CN" altLang="en-US" smtClean="0"/>
               <a:t>2024/3/10</a:t>
             </a:fld>
@@ -869,7 +869,7 @@
           <p:cNvPr id="5" name="页脚占位符 4">
             <a:extLst>
               <a:ext uri="{FF2B5EF4-FFF2-40B4-BE49-F238E27FC236}">
-                <a16:creationId xmlns:a16="http://schemas.microsoft.com/office/drawing/2014/main" id="{037FABD3-CA60-D1FB-87DF-EFFDF88AB9C1}"/>
+                <a16:creationId xmlns:a16="http://schemas.microsoft.com/office/drawing/2014/main" id="{96E5C5CA-9E7C-8FBA-AE73-A96BCDC04237}"/>
               </a:ext>
             </a:extLst>
           </p:cNvPr>
@@ -894,7 +894,7 @@
           <p:cNvPr id="6" name="灯片编号占位符 5">
             <a:extLst>
               <a:ext uri="{FF2B5EF4-FFF2-40B4-BE49-F238E27FC236}">
-                <a16:creationId xmlns:a16="http://schemas.microsoft.com/office/drawing/2014/main" id="{B474C561-CC4A-B4D2-24DD-45A4C8F9542B}"/>
+                <a16:creationId xmlns:a16="http://schemas.microsoft.com/office/drawing/2014/main" id="{6F6522F3-A528-9C73-6DE7-FC17F51C2ABA}"/>
               </a:ext>
             </a:extLst>
           </p:cNvPr>
@@ -910,7 +910,7 @@
           <a:bodyPr/>
           <a:lstStyle/>
           <a:p>
-            <a:fld id="{D2F6D0AF-5F7E-4A5C-8E21-9D31D5BA8732}" type="slidenum">
+            <a:fld id="{B34BA342-36EA-45EA-BD66-35F0CE0C1298}" type="slidenum">
               <a:rPr lang="zh-CN" altLang="en-US" smtClean="0"/>
               <a:t>‹#›</a:t>
             </a:fld>
@@ -921,7 +921,7 @@
     </p:spTree>
     <p:extLst>
       <p:ext uri="{BB962C8B-B14F-4D97-AF65-F5344CB8AC3E}">
-        <p14:creationId xmlns:p14="http://schemas.microsoft.com/office/powerpoint/2010/main" val="2466886956"/>
+        <p14:creationId xmlns:p14="http://schemas.microsoft.com/office/powerpoint/2010/main" val="1131088110"/>
       </p:ext>
     </p:extLst>
   </p:cSld>
@@ -953,7 +953,7 @@
           <p:cNvPr id="2" name="标题 1">
             <a:extLst>
               <a:ext uri="{FF2B5EF4-FFF2-40B4-BE49-F238E27FC236}">
-                <a16:creationId xmlns:a16="http://schemas.microsoft.com/office/drawing/2014/main" id="{85E2F966-EC6E-49F9-7154-FA81B070839B}"/>
+                <a16:creationId xmlns:a16="http://schemas.microsoft.com/office/drawing/2014/main" id="{C12F1D62-2A60-8EE1-709E-9B20CD6883DA}"/>
               </a:ext>
             </a:extLst>
           </p:cNvPr>
@@ -990,7 +990,7 @@
           <p:cNvPr id="3" name="文本占位符 2">
             <a:extLst>
               <a:ext uri="{FF2B5EF4-FFF2-40B4-BE49-F238E27FC236}">
-                <a16:creationId xmlns:a16="http://schemas.microsoft.com/office/drawing/2014/main" id="{68D1B406-1B25-377F-8558-5FC38FDCB5F4}"/>
+                <a16:creationId xmlns:a16="http://schemas.microsoft.com/office/drawing/2014/main" id="{8FA57877-1E78-0E80-B013-AF6DE4E6D824}"/>
               </a:ext>
             </a:extLst>
           </p:cNvPr>
@@ -1115,7 +1115,7 @@
           <p:cNvPr id="4" name="日期占位符 3">
             <a:extLst>
               <a:ext uri="{FF2B5EF4-FFF2-40B4-BE49-F238E27FC236}">
-                <a16:creationId xmlns:a16="http://schemas.microsoft.com/office/drawing/2014/main" id="{80BDF96F-1812-49BC-8227-A88D0469F5A7}"/>
+                <a16:creationId xmlns:a16="http://schemas.microsoft.com/office/drawing/2014/main" id="{192B38DC-41D1-AFC2-E845-0C2482F648B3}"/>
               </a:ext>
             </a:extLst>
           </p:cNvPr>
@@ -1131,7 +1131,7 @@
           <a:bodyPr/>
           <a:lstStyle/>
           <a:p>
-            <a:fld id="{BE58AA9E-3C9C-47BD-B039-E2DC320F38AE}" type="datetimeFigureOut">
+            <a:fld id="{1EADA4E0-3855-4231-87DA-C1656B894F1C}" type="datetimeFigureOut">
               <a:rPr lang="zh-CN" altLang="en-US" smtClean="0"/>
               <a:t>2024/3/10</a:t>
             </a:fld>
@@ -1144,7 +1144,7 @@
           <p:cNvPr id="5" name="页脚占位符 4">
             <a:extLst>
               <a:ext uri="{FF2B5EF4-FFF2-40B4-BE49-F238E27FC236}">
-                <a16:creationId xmlns:a16="http://schemas.microsoft.com/office/drawing/2014/main" id="{474B78B4-C45D-C887-B200-9F6C8DF28A58}"/>
+                <a16:creationId xmlns:a16="http://schemas.microsoft.com/office/drawing/2014/main" id="{A76949DE-64B4-985F-8602-BFF2CB3A46F9}"/>
               </a:ext>
             </a:extLst>
           </p:cNvPr>
@@ -1169,7 +1169,7 @@
           <p:cNvPr id="6" name="灯片编号占位符 5">
             <a:extLst>
               <a:ext uri="{FF2B5EF4-FFF2-40B4-BE49-F238E27FC236}">
-                <a16:creationId xmlns:a16="http://schemas.microsoft.com/office/drawing/2014/main" id="{7B3316DB-B5A1-F02B-7537-369B8C706AA8}"/>
+                <a16:creationId xmlns:a16="http://schemas.microsoft.com/office/drawing/2014/main" id="{C916321D-EF28-FC03-E52B-FEBADB41119D}"/>
               </a:ext>
             </a:extLst>
           </p:cNvPr>
@@ -1185,7 +1185,7 @@
           <a:bodyPr/>
           <a:lstStyle/>
           <a:p>
-            <a:fld id="{D2F6D0AF-5F7E-4A5C-8E21-9D31D5BA8732}" type="slidenum">
+            <a:fld id="{B34BA342-36EA-45EA-BD66-35F0CE0C1298}" type="slidenum">
               <a:rPr lang="zh-CN" altLang="en-US" smtClean="0"/>
               <a:t>‹#›</a:t>
             </a:fld>
@@ -1196,7 +1196,7 @@
     </p:spTree>
     <p:extLst>
       <p:ext uri="{BB962C8B-B14F-4D97-AF65-F5344CB8AC3E}">
-        <p14:creationId xmlns:p14="http://schemas.microsoft.com/office/powerpoint/2010/main" val="252619942"/>
+        <p14:creationId xmlns:p14="http://schemas.microsoft.com/office/powerpoint/2010/main" val="3184207505"/>
       </p:ext>
     </p:extLst>
   </p:cSld>
@@ -1228,7 +1228,7 @@
           <p:cNvPr id="2" name="标题 1">
             <a:extLst>
               <a:ext uri="{FF2B5EF4-FFF2-40B4-BE49-F238E27FC236}">
-                <a16:creationId xmlns:a16="http://schemas.microsoft.com/office/drawing/2014/main" id="{AB09E908-C9F8-3773-1F86-48AF353CCF6B}"/>
+                <a16:creationId xmlns:a16="http://schemas.microsoft.com/office/drawing/2014/main" id="{241B59A5-DF30-A762-BAFC-4E3E1F9647C7}"/>
               </a:ext>
             </a:extLst>
           </p:cNvPr>
@@ -1256,7 +1256,7 @@
           <p:cNvPr id="3" name="内容占位符 2">
             <a:extLst>
               <a:ext uri="{FF2B5EF4-FFF2-40B4-BE49-F238E27FC236}">
-                <a16:creationId xmlns:a16="http://schemas.microsoft.com/office/drawing/2014/main" id="{3AE2CE6F-A17F-7CD3-9D19-4D1AC3192D6A}"/>
+                <a16:creationId xmlns:a16="http://schemas.microsoft.com/office/drawing/2014/main" id="{2ACA85FF-5A86-2CA9-3070-692CD1823177}"/>
               </a:ext>
             </a:extLst>
           </p:cNvPr>
@@ -1318,7 +1318,7 @@
           <p:cNvPr id="4" name="内容占位符 3">
             <a:extLst>
               <a:ext uri="{FF2B5EF4-FFF2-40B4-BE49-F238E27FC236}">
-                <a16:creationId xmlns:a16="http://schemas.microsoft.com/office/drawing/2014/main" id="{5463CB7A-A7B2-27F6-978F-FDBC452A99E9}"/>
+                <a16:creationId xmlns:a16="http://schemas.microsoft.com/office/drawing/2014/main" id="{6AE6B9A1-D4DE-D0BA-5F32-DDFDABD73F69}"/>
               </a:ext>
             </a:extLst>
           </p:cNvPr>
@@ -1380,7 +1380,7 @@
           <p:cNvPr id="5" name="日期占位符 4">
             <a:extLst>
               <a:ext uri="{FF2B5EF4-FFF2-40B4-BE49-F238E27FC236}">
-                <a16:creationId xmlns:a16="http://schemas.microsoft.com/office/drawing/2014/main" id="{1E8CB463-ADF7-0921-5562-775A14ECF0B3}"/>
+                <a16:creationId xmlns:a16="http://schemas.microsoft.com/office/drawing/2014/main" id="{B490E509-44E9-2C23-12C4-AFCE4D5BA047}"/>
               </a:ext>
             </a:extLst>
           </p:cNvPr>
@@ -1396,7 +1396,7 @@
           <a:bodyPr/>
           <a:lstStyle/>
           <a:p>
-            <a:fld id="{BE58AA9E-3C9C-47BD-B039-E2DC320F38AE}" type="datetimeFigureOut">
+            <a:fld id="{1EADA4E0-3855-4231-87DA-C1656B894F1C}" type="datetimeFigureOut">
               <a:rPr lang="zh-CN" altLang="en-US" smtClean="0"/>
               <a:t>2024/3/10</a:t>
             </a:fld>
@@ -1409,7 +1409,7 @@
           <p:cNvPr id="6" name="页脚占位符 5">
             <a:extLst>
               <a:ext uri="{FF2B5EF4-FFF2-40B4-BE49-F238E27FC236}">
-                <a16:creationId xmlns:a16="http://schemas.microsoft.com/office/drawing/2014/main" id="{2D1FC225-72EC-EE1F-4F75-FEA388AB841E}"/>
+                <a16:creationId xmlns:a16="http://schemas.microsoft.com/office/drawing/2014/main" id="{7B2FF5D6-747B-3F9A-AEAD-756739448299}"/>
               </a:ext>
             </a:extLst>
           </p:cNvPr>
@@ -1434,7 +1434,7 @@
           <p:cNvPr id="7" name="灯片编号占位符 6">
             <a:extLst>
               <a:ext uri="{FF2B5EF4-FFF2-40B4-BE49-F238E27FC236}">
-                <a16:creationId xmlns:a16="http://schemas.microsoft.com/office/drawing/2014/main" id="{5F2A3018-513C-56DF-A8FD-AA45B2E00D00}"/>
+                <a16:creationId xmlns:a16="http://schemas.microsoft.com/office/drawing/2014/main" id="{769E77B7-FA0A-9ABB-9FC8-30E8075683B9}"/>
               </a:ext>
             </a:extLst>
           </p:cNvPr>
@@ -1450,7 +1450,7 @@
           <a:bodyPr/>
           <a:lstStyle/>
           <a:p>
-            <a:fld id="{D2F6D0AF-5F7E-4A5C-8E21-9D31D5BA8732}" type="slidenum">
+            <a:fld id="{B34BA342-36EA-45EA-BD66-35F0CE0C1298}" type="slidenum">
               <a:rPr lang="zh-CN" altLang="en-US" smtClean="0"/>
               <a:t>‹#›</a:t>
             </a:fld>
@@ -1461,7 +1461,7 @@
     </p:spTree>
     <p:extLst>
       <p:ext uri="{BB962C8B-B14F-4D97-AF65-F5344CB8AC3E}">
-        <p14:creationId xmlns:p14="http://schemas.microsoft.com/office/powerpoint/2010/main" val="3233002823"/>
+        <p14:creationId xmlns:p14="http://schemas.microsoft.com/office/powerpoint/2010/main" val="93855102"/>
       </p:ext>
     </p:extLst>
   </p:cSld>
@@ -1493,7 +1493,7 @@
           <p:cNvPr id="2" name="标题 1">
             <a:extLst>
               <a:ext uri="{FF2B5EF4-FFF2-40B4-BE49-F238E27FC236}">
-                <a16:creationId xmlns:a16="http://schemas.microsoft.com/office/drawing/2014/main" id="{D6CF4F3A-3D27-F8DD-FB64-16E7BD27FE45}"/>
+                <a16:creationId xmlns:a16="http://schemas.microsoft.com/office/drawing/2014/main" id="{86124B72-7E27-0E30-DA80-9BBC688EA638}"/>
               </a:ext>
             </a:extLst>
           </p:cNvPr>
@@ -1526,7 +1526,7 @@
           <p:cNvPr id="3" name="文本占位符 2">
             <a:extLst>
               <a:ext uri="{FF2B5EF4-FFF2-40B4-BE49-F238E27FC236}">
-                <a16:creationId xmlns:a16="http://schemas.microsoft.com/office/drawing/2014/main" id="{4BBD70E5-F2D8-686F-68D7-8884F681D658}"/>
+                <a16:creationId xmlns:a16="http://schemas.microsoft.com/office/drawing/2014/main" id="{1EFC12F6-DFBC-ABC4-B295-0BAB7FD18D77}"/>
               </a:ext>
             </a:extLst>
           </p:cNvPr>
@@ -1597,7 +1597,7 @@
           <p:cNvPr id="4" name="内容占位符 3">
             <a:extLst>
               <a:ext uri="{FF2B5EF4-FFF2-40B4-BE49-F238E27FC236}">
-                <a16:creationId xmlns:a16="http://schemas.microsoft.com/office/drawing/2014/main" id="{ECDAAB56-C3A7-399D-97E2-D39A4CD7D31C}"/>
+                <a16:creationId xmlns:a16="http://schemas.microsoft.com/office/drawing/2014/main" id="{7CBBE612-2CE6-C522-28B0-6EB8382665B6}"/>
               </a:ext>
             </a:extLst>
           </p:cNvPr>
@@ -1659,7 +1659,7 @@
           <p:cNvPr id="5" name="文本占位符 4">
             <a:extLst>
               <a:ext uri="{FF2B5EF4-FFF2-40B4-BE49-F238E27FC236}">
-                <a16:creationId xmlns:a16="http://schemas.microsoft.com/office/drawing/2014/main" id="{3F92A5FC-0A26-3C46-AC2D-7B283F1EEA03}"/>
+                <a16:creationId xmlns:a16="http://schemas.microsoft.com/office/drawing/2014/main" id="{53FC24FD-C372-3D55-552D-F67FAEBE644E}"/>
               </a:ext>
             </a:extLst>
           </p:cNvPr>
@@ -1730,7 +1730,7 @@
           <p:cNvPr id="6" name="内容占位符 5">
             <a:extLst>
               <a:ext uri="{FF2B5EF4-FFF2-40B4-BE49-F238E27FC236}">
-                <a16:creationId xmlns:a16="http://schemas.microsoft.com/office/drawing/2014/main" id="{862EBE4F-D400-0939-D73A-61226F3E0CE8}"/>
+                <a16:creationId xmlns:a16="http://schemas.microsoft.com/office/drawing/2014/main" id="{ACC0B6A2-71C7-EF53-9AA3-901925E7A6D6}"/>
               </a:ext>
             </a:extLst>
           </p:cNvPr>
@@ -1792,7 +1792,7 @@
           <p:cNvPr id="7" name="日期占位符 6">
             <a:extLst>
               <a:ext uri="{FF2B5EF4-FFF2-40B4-BE49-F238E27FC236}">
-                <a16:creationId xmlns:a16="http://schemas.microsoft.com/office/drawing/2014/main" id="{8552637B-AF7D-08F1-E0B7-B9AB7E245EBB}"/>
+                <a16:creationId xmlns:a16="http://schemas.microsoft.com/office/drawing/2014/main" id="{AC7B36D1-5832-5197-FDC9-7B09936CBB73}"/>
               </a:ext>
             </a:extLst>
           </p:cNvPr>
@@ -1808,7 +1808,7 @@
           <a:bodyPr/>
           <a:lstStyle/>
           <a:p>
-            <a:fld id="{BE58AA9E-3C9C-47BD-B039-E2DC320F38AE}" type="datetimeFigureOut">
+            <a:fld id="{1EADA4E0-3855-4231-87DA-C1656B894F1C}" type="datetimeFigureOut">
               <a:rPr lang="zh-CN" altLang="en-US" smtClean="0"/>
               <a:t>2024/3/10</a:t>
             </a:fld>
@@ -1821,7 +1821,7 @@
           <p:cNvPr id="8" name="页脚占位符 7">
             <a:extLst>
               <a:ext uri="{FF2B5EF4-FFF2-40B4-BE49-F238E27FC236}">
-                <a16:creationId xmlns:a16="http://schemas.microsoft.com/office/drawing/2014/main" id="{675363C0-145D-7908-A0B9-85A55796118C}"/>
+                <a16:creationId xmlns:a16="http://schemas.microsoft.com/office/drawing/2014/main" id="{5C7D5711-64E7-CA54-D7E5-8D4B0EABAD4C}"/>
               </a:ext>
             </a:extLst>
           </p:cNvPr>
@@ -1846,7 +1846,7 @@
           <p:cNvPr id="9" name="灯片编号占位符 8">
             <a:extLst>
               <a:ext uri="{FF2B5EF4-FFF2-40B4-BE49-F238E27FC236}">
-                <a16:creationId xmlns:a16="http://schemas.microsoft.com/office/drawing/2014/main" id="{06038AFE-080B-72C2-C861-AB2A36FCEC0A}"/>
+                <a16:creationId xmlns:a16="http://schemas.microsoft.com/office/drawing/2014/main" id="{A7FA4EDC-778C-C316-225A-46D824D26D61}"/>
               </a:ext>
             </a:extLst>
           </p:cNvPr>
@@ -1862,7 +1862,7 @@
           <a:bodyPr/>
           <a:lstStyle/>
           <a:p>
-            <a:fld id="{D2F6D0AF-5F7E-4A5C-8E21-9D31D5BA8732}" type="slidenum">
+            <a:fld id="{B34BA342-36EA-45EA-BD66-35F0CE0C1298}" type="slidenum">
               <a:rPr lang="zh-CN" altLang="en-US" smtClean="0"/>
               <a:t>‹#›</a:t>
             </a:fld>
@@ -1873,7 +1873,7 @@
     </p:spTree>
     <p:extLst>
       <p:ext uri="{BB962C8B-B14F-4D97-AF65-F5344CB8AC3E}">
-        <p14:creationId xmlns:p14="http://schemas.microsoft.com/office/powerpoint/2010/main" val="4073791412"/>
+        <p14:creationId xmlns:p14="http://schemas.microsoft.com/office/powerpoint/2010/main" val="271274158"/>
       </p:ext>
     </p:extLst>
   </p:cSld>
@@ -1905,7 +1905,7 @@
           <p:cNvPr id="2" name="标题 1">
             <a:extLst>
               <a:ext uri="{FF2B5EF4-FFF2-40B4-BE49-F238E27FC236}">
-                <a16:creationId xmlns:a16="http://schemas.microsoft.com/office/drawing/2014/main" id="{38310581-9309-CE96-F66D-D18008F8E83F}"/>
+                <a16:creationId xmlns:a16="http://schemas.microsoft.com/office/drawing/2014/main" id="{65874B7E-2320-B0AE-13D2-EA11FF1234D3}"/>
               </a:ext>
             </a:extLst>
           </p:cNvPr>
@@ -1933,7 +1933,7 @@
           <p:cNvPr id="3" name="日期占位符 2">
             <a:extLst>
               <a:ext uri="{FF2B5EF4-FFF2-40B4-BE49-F238E27FC236}">
-                <a16:creationId xmlns:a16="http://schemas.microsoft.com/office/drawing/2014/main" id="{FEC8BCAB-0D67-71FA-ECFE-2CB41A62DA22}"/>
+                <a16:creationId xmlns:a16="http://schemas.microsoft.com/office/drawing/2014/main" id="{AD64773D-FD04-CEB7-FF0E-2D4D5E2C35FE}"/>
               </a:ext>
             </a:extLst>
           </p:cNvPr>
@@ -1949,7 +1949,7 @@
           <a:bodyPr/>
           <a:lstStyle/>
           <a:p>
-            <a:fld id="{BE58AA9E-3C9C-47BD-B039-E2DC320F38AE}" type="datetimeFigureOut">
+            <a:fld id="{1EADA4E0-3855-4231-87DA-C1656B894F1C}" type="datetimeFigureOut">
               <a:rPr lang="zh-CN" altLang="en-US" smtClean="0"/>
               <a:t>2024/3/10</a:t>
             </a:fld>
@@ -1962,7 +1962,7 @@
           <p:cNvPr id="4" name="页脚占位符 3">
             <a:extLst>
               <a:ext uri="{FF2B5EF4-FFF2-40B4-BE49-F238E27FC236}">
-                <a16:creationId xmlns:a16="http://schemas.microsoft.com/office/drawing/2014/main" id="{0D410D51-EAF6-4C9A-7B6C-1CC23550A20C}"/>
+                <a16:creationId xmlns:a16="http://schemas.microsoft.com/office/drawing/2014/main" id="{BF1A1C5F-3097-A733-4497-40633A078BC4}"/>
               </a:ext>
             </a:extLst>
           </p:cNvPr>
@@ -1987,7 +1987,7 @@
           <p:cNvPr id="5" name="灯片编号占位符 4">
             <a:extLst>
               <a:ext uri="{FF2B5EF4-FFF2-40B4-BE49-F238E27FC236}">
-                <a16:creationId xmlns:a16="http://schemas.microsoft.com/office/drawing/2014/main" id="{40FB9549-EC99-980D-BF3F-4C43E68178E5}"/>
+                <a16:creationId xmlns:a16="http://schemas.microsoft.com/office/drawing/2014/main" id="{2698850E-FAF5-1B5F-62E0-F93BB184DA78}"/>
               </a:ext>
             </a:extLst>
           </p:cNvPr>
@@ -2003,7 +2003,7 @@
           <a:bodyPr/>
           <a:lstStyle/>
           <a:p>
-            <a:fld id="{D2F6D0AF-5F7E-4A5C-8E21-9D31D5BA8732}" type="slidenum">
+            <a:fld id="{B34BA342-36EA-45EA-BD66-35F0CE0C1298}" type="slidenum">
               <a:rPr lang="zh-CN" altLang="en-US" smtClean="0"/>
               <a:t>‹#›</a:t>
             </a:fld>
@@ -2014,7 +2014,7 @@
     </p:spTree>
     <p:extLst>
       <p:ext uri="{BB962C8B-B14F-4D97-AF65-F5344CB8AC3E}">
-        <p14:creationId xmlns:p14="http://schemas.microsoft.com/office/powerpoint/2010/main" val="1066249682"/>
+        <p14:creationId xmlns:p14="http://schemas.microsoft.com/office/powerpoint/2010/main" val="1263721659"/>
       </p:ext>
     </p:extLst>
   </p:cSld>
@@ -2046,7 +2046,7 @@
           <p:cNvPr id="2" name="日期占位符 1">
             <a:extLst>
               <a:ext uri="{FF2B5EF4-FFF2-40B4-BE49-F238E27FC236}">
-                <a16:creationId xmlns:a16="http://schemas.microsoft.com/office/drawing/2014/main" id="{08E14E3E-03A4-D3F5-CB99-2D00E0BFE50F}"/>
+                <a16:creationId xmlns:a16="http://schemas.microsoft.com/office/drawing/2014/main" id="{BD18B1AB-515B-EAE6-1573-632C7F23772B}"/>
               </a:ext>
             </a:extLst>
           </p:cNvPr>
@@ -2062,7 +2062,7 @@
           <a:bodyPr/>
           <a:lstStyle/>
           <a:p>
-            <a:fld id="{BE58AA9E-3C9C-47BD-B039-E2DC320F38AE}" type="datetimeFigureOut">
+            <a:fld id="{1EADA4E0-3855-4231-87DA-C1656B894F1C}" type="datetimeFigureOut">
               <a:rPr lang="zh-CN" altLang="en-US" smtClean="0"/>
               <a:t>2024/3/10</a:t>
             </a:fld>
@@ -2075,7 +2075,7 @@
           <p:cNvPr id="3" name="页脚占位符 2">
             <a:extLst>
               <a:ext uri="{FF2B5EF4-FFF2-40B4-BE49-F238E27FC236}">
-                <a16:creationId xmlns:a16="http://schemas.microsoft.com/office/drawing/2014/main" id="{540C104C-24C0-0CB1-B7A0-4069B789141A}"/>
+                <a16:creationId xmlns:a16="http://schemas.microsoft.com/office/drawing/2014/main" id="{E1684DEA-E086-B8F3-F2C2-B5135FF9D1C5}"/>
               </a:ext>
             </a:extLst>
           </p:cNvPr>
@@ -2100,7 +2100,7 @@
           <p:cNvPr id="4" name="灯片编号占位符 3">
             <a:extLst>
               <a:ext uri="{FF2B5EF4-FFF2-40B4-BE49-F238E27FC236}">
-                <a16:creationId xmlns:a16="http://schemas.microsoft.com/office/drawing/2014/main" id="{53043FD4-5083-E8F1-A85C-F8F8EECF8DE6}"/>
+                <a16:creationId xmlns:a16="http://schemas.microsoft.com/office/drawing/2014/main" id="{5900FBB4-77A9-37F2-F56F-928A4258E22E}"/>
               </a:ext>
             </a:extLst>
           </p:cNvPr>
@@ -2116,7 +2116,7 @@
           <a:bodyPr/>
           <a:lstStyle/>
           <a:p>
-            <a:fld id="{D2F6D0AF-5F7E-4A5C-8E21-9D31D5BA8732}" type="slidenum">
+            <a:fld id="{B34BA342-36EA-45EA-BD66-35F0CE0C1298}" type="slidenum">
               <a:rPr lang="zh-CN" altLang="en-US" smtClean="0"/>
               <a:t>‹#›</a:t>
             </a:fld>
@@ -2127,7 +2127,7 @@
     </p:spTree>
     <p:extLst>
       <p:ext uri="{BB962C8B-B14F-4D97-AF65-F5344CB8AC3E}">
-        <p14:creationId xmlns:p14="http://schemas.microsoft.com/office/powerpoint/2010/main" val="2767580087"/>
+        <p14:creationId xmlns:p14="http://schemas.microsoft.com/office/powerpoint/2010/main" val="1671687817"/>
       </p:ext>
     </p:extLst>
   </p:cSld>
@@ -2159,7 +2159,7 @@
           <p:cNvPr id="2" name="标题 1">
             <a:extLst>
               <a:ext uri="{FF2B5EF4-FFF2-40B4-BE49-F238E27FC236}">
-                <a16:creationId xmlns:a16="http://schemas.microsoft.com/office/drawing/2014/main" id="{40494F70-20D9-5F03-BCBD-344390E03637}"/>
+                <a16:creationId xmlns:a16="http://schemas.microsoft.com/office/drawing/2014/main" id="{85865083-C4C7-3903-2976-433A1FB0D318}"/>
               </a:ext>
             </a:extLst>
           </p:cNvPr>
@@ -2196,7 +2196,7 @@
           <p:cNvPr id="3" name="内容占位符 2">
             <a:extLst>
               <a:ext uri="{FF2B5EF4-FFF2-40B4-BE49-F238E27FC236}">
-                <a16:creationId xmlns:a16="http://schemas.microsoft.com/office/drawing/2014/main" id="{33EF1EB6-77DA-5F6A-3FF4-2DF3EE4757C1}"/>
+                <a16:creationId xmlns:a16="http://schemas.microsoft.com/office/drawing/2014/main" id="{BF2619FC-EAE8-601C-F2C5-6920AED1A8EA}"/>
               </a:ext>
             </a:extLst>
           </p:cNvPr>
@@ -2286,7 +2286,7 @@
           <p:cNvPr id="4" name="文本占位符 3">
             <a:extLst>
               <a:ext uri="{FF2B5EF4-FFF2-40B4-BE49-F238E27FC236}">
-                <a16:creationId xmlns:a16="http://schemas.microsoft.com/office/drawing/2014/main" id="{780E71A4-E940-6E49-33AC-DC1EB4DA37D9}"/>
+                <a16:creationId xmlns:a16="http://schemas.microsoft.com/office/drawing/2014/main" id="{EA90612B-B83D-6A15-6027-AA6071CB9DA7}"/>
               </a:ext>
             </a:extLst>
           </p:cNvPr>
@@ -2357,7 +2357,7 @@
           <p:cNvPr id="5" name="日期占位符 4">
             <a:extLst>
               <a:ext uri="{FF2B5EF4-FFF2-40B4-BE49-F238E27FC236}">
-                <a16:creationId xmlns:a16="http://schemas.microsoft.com/office/drawing/2014/main" id="{D143BF13-50CB-4741-7E70-21A370A82670}"/>
+                <a16:creationId xmlns:a16="http://schemas.microsoft.com/office/drawing/2014/main" id="{BA0384D7-1A01-0CAD-0959-4316EB6DA200}"/>
               </a:ext>
             </a:extLst>
           </p:cNvPr>
@@ -2373,7 +2373,7 @@
           <a:bodyPr/>
           <a:lstStyle/>
           <a:p>
-            <a:fld id="{BE58AA9E-3C9C-47BD-B039-E2DC320F38AE}" type="datetimeFigureOut">
+            <a:fld id="{1EADA4E0-3855-4231-87DA-C1656B894F1C}" type="datetimeFigureOut">
               <a:rPr lang="zh-CN" altLang="en-US" smtClean="0"/>
               <a:t>2024/3/10</a:t>
             </a:fld>
@@ -2386,7 +2386,7 @@
           <p:cNvPr id="6" name="页脚占位符 5">
             <a:extLst>
               <a:ext uri="{FF2B5EF4-FFF2-40B4-BE49-F238E27FC236}">
-                <a16:creationId xmlns:a16="http://schemas.microsoft.com/office/drawing/2014/main" id="{BD38D395-6E11-716A-7F8F-83DB9E166F45}"/>
+                <a16:creationId xmlns:a16="http://schemas.microsoft.com/office/drawing/2014/main" id="{0F8BFCE0-2667-BB28-7375-2408FC928DEE}"/>
               </a:ext>
             </a:extLst>
           </p:cNvPr>
@@ -2411,7 +2411,7 @@
           <p:cNvPr id="7" name="灯片编号占位符 6">
             <a:extLst>
               <a:ext uri="{FF2B5EF4-FFF2-40B4-BE49-F238E27FC236}">
-                <a16:creationId xmlns:a16="http://schemas.microsoft.com/office/drawing/2014/main" id="{A389DD6C-5822-A60D-F957-B25762E770BA}"/>
+                <a16:creationId xmlns:a16="http://schemas.microsoft.com/office/drawing/2014/main" id="{E7B2B6B0-7871-475A-3F4A-BE7422EAF4DC}"/>
               </a:ext>
             </a:extLst>
           </p:cNvPr>
@@ -2427,7 +2427,7 @@
           <a:bodyPr/>
           <a:lstStyle/>
           <a:p>
-            <a:fld id="{D2F6D0AF-5F7E-4A5C-8E21-9D31D5BA8732}" type="slidenum">
+            <a:fld id="{B34BA342-36EA-45EA-BD66-35F0CE0C1298}" type="slidenum">
               <a:rPr lang="zh-CN" altLang="en-US" smtClean="0"/>
               <a:t>‹#›</a:t>
             </a:fld>
@@ -2438,7 +2438,7 @@
     </p:spTree>
     <p:extLst>
       <p:ext uri="{BB962C8B-B14F-4D97-AF65-F5344CB8AC3E}">
-        <p14:creationId xmlns:p14="http://schemas.microsoft.com/office/powerpoint/2010/main" val="3769542068"/>
+        <p14:creationId xmlns:p14="http://schemas.microsoft.com/office/powerpoint/2010/main" val="3964936386"/>
       </p:ext>
     </p:extLst>
   </p:cSld>
@@ -2470,7 +2470,7 @@
           <p:cNvPr id="2" name="标题 1">
             <a:extLst>
               <a:ext uri="{FF2B5EF4-FFF2-40B4-BE49-F238E27FC236}">
-                <a16:creationId xmlns:a16="http://schemas.microsoft.com/office/drawing/2014/main" id="{5645A3C4-4620-B2FC-4920-8BF3BBCC913F}"/>
+                <a16:creationId xmlns:a16="http://schemas.microsoft.com/office/drawing/2014/main" id="{6F360B33-9743-0B00-2693-17D9A8DBE340}"/>
               </a:ext>
             </a:extLst>
           </p:cNvPr>
@@ -2507,7 +2507,7 @@
           <p:cNvPr id="3" name="图片占位符 2">
             <a:extLst>
               <a:ext uri="{FF2B5EF4-FFF2-40B4-BE49-F238E27FC236}">
-                <a16:creationId xmlns:a16="http://schemas.microsoft.com/office/drawing/2014/main" id="{EB993886-EFF7-173B-B4D4-012662054E07}"/>
+                <a16:creationId xmlns:a16="http://schemas.microsoft.com/office/drawing/2014/main" id="{1B29981E-C0CC-CE20-5ED0-2B74F07B42EB}"/>
               </a:ext>
             </a:extLst>
           </p:cNvPr>
@@ -2574,7 +2574,7 @@
           <p:cNvPr id="4" name="文本占位符 3">
             <a:extLst>
               <a:ext uri="{FF2B5EF4-FFF2-40B4-BE49-F238E27FC236}">
-                <a16:creationId xmlns:a16="http://schemas.microsoft.com/office/drawing/2014/main" id="{E99ED945-A54A-11C9-7C3C-4B52BD4BF0CE}"/>
+                <a16:creationId xmlns:a16="http://schemas.microsoft.com/office/drawing/2014/main" id="{E37A87B1-1BD9-751E-56B8-27268499F22B}"/>
               </a:ext>
             </a:extLst>
           </p:cNvPr>
@@ -2645,7 +2645,7 @@
           <p:cNvPr id="5" name="日期占位符 4">
             <a:extLst>
               <a:ext uri="{FF2B5EF4-FFF2-40B4-BE49-F238E27FC236}">
-                <a16:creationId xmlns:a16="http://schemas.microsoft.com/office/drawing/2014/main" id="{839651E8-6101-F39C-8C92-43AB8F143DAC}"/>
+                <a16:creationId xmlns:a16="http://schemas.microsoft.com/office/drawing/2014/main" id="{281EFC5A-1D09-2529-D2DF-2C55827022F6}"/>
               </a:ext>
             </a:extLst>
           </p:cNvPr>
@@ -2661,7 +2661,7 @@
           <a:bodyPr/>
           <a:lstStyle/>
           <a:p>
-            <a:fld id="{BE58AA9E-3C9C-47BD-B039-E2DC320F38AE}" type="datetimeFigureOut">
+            <a:fld id="{1EADA4E0-3855-4231-87DA-C1656B894F1C}" type="datetimeFigureOut">
               <a:rPr lang="zh-CN" altLang="en-US" smtClean="0"/>
               <a:t>2024/3/10</a:t>
             </a:fld>
@@ -2674,7 +2674,7 @@
           <p:cNvPr id="6" name="页脚占位符 5">
             <a:extLst>
               <a:ext uri="{FF2B5EF4-FFF2-40B4-BE49-F238E27FC236}">
-                <a16:creationId xmlns:a16="http://schemas.microsoft.com/office/drawing/2014/main" id="{AD322899-3B94-316C-F3C6-A3DDE6B00985}"/>
+                <a16:creationId xmlns:a16="http://schemas.microsoft.com/office/drawing/2014/main" id="{FCD459E8-D077-64D1-B8DE-C9C6636B5346}"/>
               </a:ext>
             </a:extLst>
           </p:cNvPr>
@@ -2699,7 +2699,7 @@
           <p:cNvPr id="7" name="灯片编号占位符 6">
             <a:extLst>
               <a:ext uri="{FF2B5EF4-FFF2-40B4-BE49-F238E27FC236}">
-                <a16:creationId xmlns:a16="http://schemas.microsoft.com/office/drawing/2014/main" id="{39599D76-F4BE-9677-C172-142535A2A7B7}"/>
+                <a16:creationId xmlns:a16="http://schemas.microsoft.com/office/drawing/2014/main" id="{8275E8B0-6EDD-2A92-DB89-61F6B6126DCE}"/>
               </a:ext>
             </a:extLst>
           </p:cNvPr>
@@ -2715,7 +2715,7 @@
           <a:bodyPr/>
           <a:lstStyle/>
           <a:p>
-            <a:fld id="{D2F6D0AF-5F7E-4A5C-8E21-9D31D5BA8732}" type="slidenum">
+            <a:fld id="{B34BA342-36EA-45EA-BD66-35F0CE0C1298}" type="slidenum">
               <a:rPr lang="zh-CN" altLang="en-US" smtClean="0"/>
               <a:t>‹#›</a:t>
             </a:fld>
@@ -2726,7 +2726,7 @@
     </p:spTree>
     <p:extLst>
       <p:ext uri="{BB962C8B-B14F-4D97-AF65-F5344CB8AC3E}">
-        <p14:creationId xmlns:p14="http://schemas.microsoft.com/office/powerpoint/2010/main" val="554774133"/>
+        <p14:creationId xmlns:p14="http://schemas.microsoft.com/office/powerpoint/2010/main" val="706658088"/>
       </p:ext>
     </p:extLst>
   </p:cSld>
@@ -2763,7 +2763,7 @@
           <p:cNvPr id="2" name="标题占位符 1">
             <a:extLst>
               <a:ext uri="{FF2B5EF4-FFF2-40B4-BE49-F238E27FC236}">
-                <a16:creationId xmlns:a16="http://schemas.microsoft.com/office/drawing/2014/main" id="{AC3B9B1D-414E-B51E-976C-AB72618196C6}"/>
+                <a16:creationId xmlns:a16="http://schemas.microsoft.com/office/drawing/2014/main" id="{F04CA5AD-027C-8BE1-C9DB-B4A7B6DC3E89}"/>
               </a:ext>
             </a:extLst>
           </p:cNvPr>
@@ -2801,7 +2801,7 @@
           <p:cNvPr id="3" name="文本占位符 2">
             <a:extLst>
               <a:ext uri="{FF2B5EF4-FFF2-40B4-BE49-F238E27FC236}">
-                <a16:creationId xmlns:a16="http://schemas.microsoft.com/office/drawing/2014/main" id="{B14B12D1-72C0-DDB5-2FEE-D7A8D54A7331}"/>
+                <a16:creationId xmlns:a16="http://schemas.microsoft.com/office/drawing/2014/main" id="{9DFE4634-3E7F-A44B-09CF-86F1DA76FC67}"/>
               </a:ext>
             </a:extLst>
           </p:cNvPr>
@@ -2868,7 +2868,7 @@
           <p:cNvPr id="4" name="日期占位符 3">
             <a:extLst>
               <a:ext uri="{FF2B5EF4-FFF2-40B4-BE49-F238E27FC236}">
-                <a16:creationId xmlns:a16="http://schemas.microsoft.com/office/drawing/2014/main" id="{DF5A9CE8-0E84-39AB-044B-ECB842448AAE}"/>
+                <a16:creationId xmlns:a16="http://schemas.microsoft.com/office/drawing/2014/main" id="{E8CBA593-FA8B-4E5F-AA40-AA399DC8F179}"/>
               </a:ext>
             </a:extLst>
           </p:cNvPr>
@@ -2902,7 +2902,7 @@
             </a:lvl1pPr>
           </a:lstStyle>
           <a:p>
-            <a:fld id="{BE58AA9E-3C9C-47BD-B039-E2DC320F38AE}" type="datetimeFigureOut">
+            <a:fld id="{1EADA4E0-3855-4231-87DA-C1656B894F1C}" type="datetimeFigureOut">
               <a:rPr lang="zh-CN" altLang="en-US" smtClean="0"/>
               <a:t>2024/3/10</a:t>
             </a:fld>
@@ -2915,7 +2915,7 @@
           <p:cNvPr id="5" name="页脚占位符 4">
             <a:extLst>
               <a:ext uri="{FF2B5EF4-FFF2-40B4-BE49-F238E27FC236}">
-                <a16:creationId xmlns:a16="http://schemas.microsoft.com/office/drawing/2014/main" id="{CDD2EA09-39FE-C3EE-2B95-21224B3BA8F8}"/>
+                <a16:creationId xmlns:a16="http://schemas.microsoft.com/office/drawing/2014/main" id="{F8AE02B8-EB3B-F587-A9C5-24B4DEE82301}"/>
               </a:ext>
             </a:extLst>
           </p:cNvPr>
@@ -2958,7 +2958,7 @@
           <p:cNvPr id="6" name="灯片编号占位符 5">
             <a:extLst>
               <a:ext uri="{FF2B5EF4-FFF2-40B4-BE49-F238E27FC236}">
-                <a16:creationId xmlns:a16="http://schemas.microsoft.com/office/drawing/2014/main" id="{D60231A9-2F65-4B8B-2583-4CA7F8A88E8D}"/>
+                <a16:creationId xmlns:a16="http://schemas.microsoft.com/office/drawing/2014/main" id="{4E08D5E7-1E73-91B0-C50C-DD19F1BB8598}"/>
               </a:ext>
             </a:extLst>
           </p:cNvPr>
@@ -2992,7 +2992,7 @@
             </a:lvl1pPr>
           </a:lstStyle>
           <a:p>
-            <a:fld id="{D2F6D0AF-5F7E-4A5C-8E21-9D31D5BA8732}" type="slidenum">
+            <a:fld id="{B34BA342-36EA-45EA-BD66-35F0CE0C1298}" type="slidenum">
               <a:rPr lang="zh-CN" altLang="en-US" smtClean="0"/>
               <a:t>‹#›</a:t>
             </a:fld>
@@ -3003,7 +3003,7 @@
     </p:spTree>
     <p:extLst>
       <p:ext uri="{BB962C8B-B14F-4D97-AF65-F5344CB8AC3E}">
-        <p14:creationId xmlns:p14="http://schemas.microsoft.com/office/powerpoint/2010/main" val="1656642906"/>
+        <p14:creationId xmlns:p14="http://schemas.microsoft.com/office/powerpoint/2010/main" val="3652305014"/>
       </p:ext>
     </p:extLst>
   </p:cSld>
